--- a/powerpoint/Session1.pptx
+++ b/powerpoint/Session1.pptx
@@ -156,6 +156,45 @@
 <file path=ppt/changesInfos/changesInfo1.xml><?xml version="1.0" encoding="utf-8"?>
 <pc:chgInfo xmlns:a="http://schemas.openxmlformats.org/drawingml/2006/main" xmlns:r="http://schemas.openxmlformats.org/officeDocument/2006/relationships" xmlns:ac="http://schemas.microsoft.com/office/drawing/2013/main/command" xmlns:pc="http://schemas.microsoft.com/office/powerpoint/2013/main/command">
   <pc:docChgLst>
+    <pc:chgData name="Srinivasa Rao" userId="a6b54366-f13d-4292-8bb4-f06c50909b1e" providerId="ADAL" clId="{EBC3DFD4-8BF3-6842-9EBB-7D326FBFC1B9}"/>
+    <pc:docChg chg="modSld">
+      <pc:chgData name="Srinivasa Rao" userId="a6b54366-f13d-4292-8bb4-f06c50909b1e" providerId="ADAL" clId="{EBC3DFD4-8BF3-6842-9EBB-7D326FBFC1B9}" dt="2024-01-22T19:57:51.935" v="9" actId="20577"/>
+      <pc:docMkLst>
+        <pc:docMk/>
+      </pc:docMkLst>
+      <pc:sldChg chg="modSp mod">
+        <pc:chgData name="Srinivasa Rao" userId="a6b54366-f13d-4292-8bb4-f06c50909b1e" providerId="ADAL" clId="{EBC3DFD4-8BF3-6842-9EBB-7D326FBFC1B9}" dt="2024-01-22T19:57:33.198" v="7" actId="20577"/>
+        <pc:sldMkLst>
+          <pc:docMk/>
+          <pc:sldMk cId="0" sldId="256"/>
+        </pc:sldMkLst>
+        <pc:spChg chg="mod">
+          <ac:chgData name="Srinivasa Rao" userId="a6b54366-f13d-4292-8bb4-f06c50909b1e" providerId="ADAL" clId="{EBC3DFD4-8BF3-6842-9EBB-7D326FBFC1B9}" dt="2024-01-22T19:57:33.198" v="7" actId="20577"/>
+          <ac:spMkLst>
+            <pc:docMk/>
+            <pc:sldMk cId="0" sldId="256"/>
+            <ac:spMk id="229" creationId="{00000000-0000-0000-0000-000000000000}"/>
+          </ac:spMkLst>
+        </pc:spChg>
+      </pc:sldChg>
+      <pc:sldChg chg="modSp mod">
+        <pc:chgData name="Srinivasa Rao" userId="a6b54366-f13d-4292-8bb4-f06c50909b1e" providerId="ADAL" clId="{EBC3DFD4-8BF3-6842-9EBB-7D326FBFC1B9}" dt="2024-01-22T19:57:51.935" v="9" actId="20577"/>
+        <pc:sldMkLst>
+          <pc:docMk/>
+          <pc:sldMk cId="0" sldId="257"/>
+        </pc:sldMkLst>
+        <pc:spChg chg="mod">
+          <ac:chgData name="Srinivasa Rao" userId="a6b54366-f13d-4292-8bb4-f06c50909b1e" providerId="ADAL" clId="{EBC3DFD4-8BF3-6842-9EBB-7D326FBFC1B9}" dt="2024-01-22T19:57:51.935" v="9" actId="20577"/>
+          <ac:spMkLst>
+            <pc:docMk/>
+            <pc:sldMk cId="0" sldId="257"/>
+            <ac:spMk id="230" creationId="{00000000-0000-0000-0000-000000000000}"/>
+          </ac:spMkLst>
+        </pc:spChg>
+      </pc:sldChg>
+    </pc:docChg>
+  </pc:docChgLst>
+  <pc:docChgLst>
     <pc:chgData name="Srinivasa Rao" userId="a6b54366-f13d-4292-8bb4-f06c50909b1e" providerId="ADAL" clId="{6B9E06D8-20C2-D848-A103-87A0E5BBED98}"/>
     <pc:docChg chg="custSel addSld delSld modSld sldOrd">
       <pc:chgData name="Srinivasa Rao" userId="a6b54366-f13d-4292-8bb4-f06c50909b1e" providerId="ADAL" clId="{6B9E06D8-20C2-D848-A103-87A0E5BBED98}" dt="2023-10-10T10:24:42.232" v="226" actId="14100"/>
@@ -265,45 +304,6 @@
             <pc:docMk/>
             <pc:sldMk cId="3866619547" sldId="286"/>
             <ac:spMk id="232" creationId="{00000000-0000-0000-0000-000000000000}"/>
-          </ac:spMkLst>
-        </pc:spChg>
-      </pc:sldChg>
-    </pc:docChg>
-  </pc:docChgLst>
-  <pc:docChgLst>
-    <pc:chgData name="Srinivasa Rao" userId="a6b54366-f13d-4292-8bb4-f06c50909b1e" providerId="ADAL" clId="{EBC3DFD4-8BF3-6842-9EBB-7D326FBFC1B9}"/>
-    <pc:docChg chg="modSld">
-      <pc:chgData name="Srinivasa Rao" userId="a6b54366-f13d-4292-8bb4-f06c50909b1e" providerId="ADAL" clId="{EBC3DFD4-8BF3-6842-9EBB-7D326FBFC1B9}" dt="2024-01-22T19:57:51.935" v="9" actId="20577"/>
-      <pc:docMkLst>
-        <pc:docMk/>
-      </pc:docMkLst>
-      <pc:sldChg chg="modSp mod">
-        <pc:chgData name="Srinivasa Rao" userId="a6b54366-f13d-4292-8bb4-f06c50909b1e" providerId="ADAL" clId="{EBC3DFD4-8BF3-6842-9EBB-7D326FBFC1B9}" dt="2024-01-22T19:57:33.198" v="7" actId="20577"/>
-        <pc:sldMkLst>
-          <pc:docMk/>
-          <pc:sldMk cId="0" sldId="256"/>
-        </pc:sldMkLst>
-        <pc:spChg chg="mod">
-          <ac:chgData name="Srinivasa Rao" userId="a6b54366-f13d-4292-8bb4-f06c50909b1e" providerId="ADAL" clId="{EBC3DFD4-8BF3-6842-9EBB-7D326FBFC1B9}" dt="2024-01-22T19:57:33.198" v="7" actId="20577"/>
-          <ac:spMkLst>
-            <pc:docMk/>
-            <pc:sldMk cId="0" sldId="256"/>
-            <ac:spMk id="229" creationId="{00000000-0000-0000-0000-000000000000}"/>
-          </ac:spMkLst>
-        </pc:spChg>
-      </pc:sldChg>
-      <pc:sldChg chg="modSp mod">
-        <pc:chgData name="Srinivasa Rao" userId="a6b54366-f13d-4292-8bb4-f06c50909b1e" providerId="ADAL" clId="{EBC3DFD4-8BF3-6842-9EBB-7D326FBFC1B9}" dt="2024-01-22T19:57:51.935" v="9" actId="20577"/>
-        <pc:sldMkLst>
-          <pc:docMk/>
-          <pc:sldMk cId="0" sldId="257"/>
-        </pc:sldMkLst>
-        <pc:spChg chg="mod">
-          <ac:chgData name="Srinivasa Rao" userId="a6b54366-f13d-4292-8bb4-f06c50909b1e" providerId="ADAL" clId="{EBC3DFD4-8BF3-6842-9EBB-7D326FBFC1B9}" dt="2024-01-22T19:57:51.935" v="9" actId="20577"/>
-          <ac:spMkLst>
-            <pc:docMk/>
-            <pc:sldMk cId="0" sldId="257"/>
-            <ac:spMk id="230" creationId="{00000000-0000-0000-0000-000000000000}"/>
           </ac:spMkLst>
         </pc:spChg>
       </pc:sldChg>
@@ -20158,7 +20158,17 @@
                 <a:latin typeface="Calibri"/>
                 <a:ea typeface="DejaVu Sans"/>
               </a:rPr>
-              <a:t>Irina &amp; Rao</a:t>
+              <a:t>Irina &amp; </a:t>
+            </a:r>
+            <a:r>
+              <a:rPr lang="en-US" sz="3200" spc="-1" dirty="0">
+                <a:solidFill>
+                  <a:srgbClr val="8B8B8B"/>
+                </a:solidFill>
+                <a:latin typeface="Calibri"/>
+                <a:ea typeface="DejaVu Sans"/>
+              </a:rPr>
+              <a:t>Bea</a:t>
             </a:r>
             <a:endParaRPr lang="en-GB" sz="3200" b="0" strike="noStrike" spc="-1" dirty="0">
               <a:latin typeface="Arial"/>
@@ -20177,6 +20187,16 @@
               </a:tabLst>
             </a:pPr>
             <a:r>
+              <a:rPr lang="en-US" sz="3200" spc="-1" dirty="0">
+                <a:solidFill>
+                  <a:srgbClr val="8B8B8B"/>
+                </a:solidFill>
+                <a:latin typeface="Calibri"/>
+                <a:ea typeface="DejaVu Sans"/>
+              </a:rPr>
+              <a:t>March</a:t>
+            </a:r>
+            <a:r>
               <a:rPr lang="en-US" sz="3200" b="0" strike="noStrike" spc="-1" dirty="0">
                 <a:solidFill>
                   <a:srgbClr val="8B8B8B"/>
@@ -20184,7 +20204,7 @@
                 <a:latin typeface="Calibri"/>
                 <a:ea typeface="DejaVu Sans"/>
               </a:rPr>
-              <a:t>Hilary 2024</a:t>
+              <a:t> 2024</a:t>
             </a:r>
             <a:endParaRPr lang="en-GB" sz="3200" b="0" strike="noStrike" spc="-1" dirty="0">
               <a:latin typeface="Arial"/>
@@ -30252,7 +30272,13 @@
       </p:sp>
       <p:sp>
         <p:nvSpPr>
-          <p:cNvPr id="229" name="CustomShape 2"/>
+          <p:cNvPr id="2" name="CustomShape 2">
+            <a:extLst>
+              <a:ext uri="{FF2B5EF4-FFF2-40B4-BE49-F238E27FC236}">
+                <a16:creationId xmlns:a16="http://schemas.microsoft.com/office/drawing/2014/main" id="{95CD58B5-322F-A84D-83C7-F9B5027796D7}"/>
+              </a:ext>
+            </a:extLst>
+          </p:cNvPr>
           <p:cNvSpPr/>
           <p:nvPr/>
         </p:nvSpPr>
@@ -30306,7 +30332,17 @@
                 <a:latin typeface="Calibri"/>
                 <a:ea typeface="DejaVu Sans"/>
               </a:rPr>
-              <a:t>Irina &amp; Rao</a:t>
+              <a:t>Irina &amp; </a:t>
+            </a:r>
+            <a:r>
+              <a:rPr lang="en-US" sz="3200" spc="-1" dirty="0">
+                <a:solidFill>
+                  <a:srgbClr val="8B8B8B"/>
+                </a:solidFill>
+                <a:latin typeface="Calibri"/>
+                <a:ea typeface="DejaVu Sans"/>
+              </a:rPr>
+              <a:t>Bea</a:t>
             </a:r>
             <a:endParaRPr lang="en-GB" sz="3200" b="0" strike="noStrike" spc="-1" dirty="0">
               <a:latin typeface="Arial"/>
@@ -30325,14 +30361,14 @@
               </a:tabLst>
             </a:pPr>
             <a:r>
-              <a:rPr lang="en-US" sz="3200" b="0" strike="noStrike" spc="-1" dirty="0" err="1">
+              <a:rPr lang="en-US" sz="3200" spc="-1" dirty="0">
                 <a:solidFill>
                   <a:srgbClr val="8B8B8B"/>
                 </a:solidFill>
                 <a:latin typeface="Calibri"/>
                 <a:ea typeface="DejaVu Sans"/>
               </a:rPr>
-              <a:t>Michaelmas</a:t>
+              <a:t>March</a:t>
             </a:r>
             <a:r>
               <a:rPr lang="en-US" sz="3200" b="0" strike="noStrike" spc="-1" dirty="0">
@@ -30342,7 +30378,7 @@
                 <a:latin typeface="Calibri"/>
                 <a:ea typeface="DejaVu Sans"/>
               </a:rPr>
-              <a:t> 2023</a:t>
+              <a:t> 2024</a:t>
             </a:r>
             <a:endParaRPr lang="en-GB" sz="3200" b="0" strike="noStrike" spc="-1" dirty="0">
               <a:latin typeface="Arial"/>
@@ -45141,26 +45177,7 @@
                 <a:latin typeface="Calibri"/>
                 <a:hlinkClick r:id="rId2"/>
               </a:rPr>
-              <a:t>https://github.com/sraorao</a:t>
-            </a:r>
-            <a:r>
-              <a:rPr lang="en-US" sz="3600" spc="-1">
-                <a:solidFill>
-                  <a:srgbClr val="000000"/>
-                </a:solidFill>
-                <a:latin typeface="Calibri"/>
-                <a:hlinkClick r:id="rId2"/>
-              </a:rPr>
-              <a:t>/MSD_R_course_HT2024</a:t>
-            </a:r>
-            <a:r>
-              <a:rPr lang="en-US" sz="3600" spc="-1">
-                <a:solidFill>
-                  <a:srgbClr val="000000"/>
-                </a:solidFill>
-                <a:latin typeface="Calibri"/>
-              </a:rPr>
-              <a:t> </a:t>
+              <a:t>https://github.com/Chelysheva/MSD_R_course_lateMarch2024</a:t>
             </a:r>
             <a:endParaRPr lang="en-US" sz="3600" spc="-1" dirty="0">
               <a:solidFill>
